--- a/Final Presentation.pptx
+++ b/Final Presentation.pptx
@@ -51,7 +51,7 @@
       <p:bold r:id="rId28"/>
     </p:embeddedFont>
     <p:embeddedFont>
-      <p:font typeface="Playfair Display" panose="020B0604020202020204" pitchFamily="2" charset="0"/>
+      <p:font typeface="Playfair Display" panose="00000500000000000000" pitchFamily="2" charset="0"/>
       <p:regular r:id="rId29"/>
       <p:bold r:id="rId30"/>
       <p:italic r:id="rId31"/>
@@ -1538,7 +1538,7 @@
         </p:nvSpPr>
         <p:spPr>
           <a:xfrm>
-            <a:off x="381300" y="685800"/>
+            <a:off x="381000" y="685800"/>
             <a:ext cx="6096000" cy="3429000"/>
           </a:xfrm>
           <a:custGeom>
@@ -7261,7 +7261,7 @@
         <p:push/>
       </p:transition>
     </mc:Choice>
-    <mc:Fallback xmlns="" xmlns:mv="urn:schemas-microsoft-com:mac:vml" xmlns:c="http://schemas.openxmlformats.org/drawingml/2006/chart" xmlns:dgm="http://schemas.openxmlformats.org/drawingml/2006/diagram" xmlns:o="urn:schemas-microsoft-com:office:office" xmlns:v="urn:schemas-microsoft-com:vml" xmlns:pvml="urn:schemas-microsoft-com:office:powerpoint" xmlns:com="http://schemas.openxmlformats.org/drawingml/2006/compatibility" xmlns:p15="http://schemas.microsoft.com/office/powerpoint/2012/main" xmlns:ahyp="http://schemas.microsoft.com/office/drawing/2018/hyperlinkcolor">
+    <mc:Fallback xmlns:ahyp="http://schemas.microsoft.com/office/drawing/2018/hyperlinkcolor" xmlns:p15="http://schemas.microsoft.com/office/powerpoint/2012/main" xmlns:com="http://schemas.openxmlformats.org/drawingml/2006/compatibility" xmlns:pvml="urn:schemas-microsoft-com:office:powerpoint" xmlns:v="urn:schemas-microsoft-com:vml" xmlns:o="urn:schemas-microsoft-com:office:office" xmlns:dgm="http://schemas.openxmlformats.org/drawingml/2006/diagram" xmlns:c="http://schemas.openxmlformats.org/drawingml/2006/chart" xmlns:mv="urn:schemas-microsoft-com:mac:vml" xmlns="">
       <p:transition spd="slow">
         <p:fade/>
       </p:transition>
@@ -11020,10 +11020,10 @@
               <a:buChar char="●"/>
             </a:pPr>
             <a:r>
-              <a:rPr lang="en-GB" sz="1684"/>
+              <a:rPr lang="en-GB" sz="1684" dirty="0"/>
               <a:t>Covid-19 has turned out as a global pandemic infecting millions of people worldwide. In a densely populated country like India the cumulative cases are rapidly increasing with time.</a:t>
             </a:r>
-            <a:endParaRPr sz="1684"/>
+            <a:endParaRPr sz="1684" dirty="0"/>
           </a:p>
           <a:p>
             <a:pPr marL="457200" lvl="0" indent="-335547" algn="l" rtl="0">
@@ -11040,10 +11040,10 @@
               <a:buChar char="●"/>
             </a:pPr>
             <a:r>
-              <a:rPr lang="en-GB" sz="1684"/>
+              <a:rPr lang="en-GB" sz="1684" dirty="0"/>
               <a:t>Many prior studies have been accomplished to track the disease, growth prediction and possible management policies but they are not so effective considering the vast diversity of a country like India.</a:t>
             </a:r>
-            <a:endParaRPr sz="1684"/>
+            <a:endParaRPr sz="1684" dirty="0"/>
           </a:p>
           <a:p>
             <a:pPr marL="457200" lvl="0" indent="-335547" algn="l" rtl="0">
@@ -11060,43 +11060,14 @@
               <a:buChar char="●"/>
             </a:pPr>
             <a:r>
-              <a:rPr lang="en-GB" sz="1684"/>
-              <a:t>In this study, we have shifted our focus on the number of infections in individual Indian states and try to create a model which can predict the number of infections for that state in the next 60-90 days.</a:t>
-            </a:r>
-            <a:endParaRPr sz="1225"/>
-          </a:p>
-          <a:p>
-            <a:pPr marL="457200" lvl="0" indent="0" algn="l" rtl="0">
-              <a:lnSpc>
-                <a:spcPct val="105000"/>
-              </a:lnSpc>
-              <a:spcBef>
-                <a:spcPts val="1200"/>
-              </a:spcBef>
-              <a:spcAft>
-                <a:spcPts val="1200"/>
-              </a:spcAft>
-              <a:buSzPts val="688"/>
-              <a:buNone/>
-            </a:pPr>
-            <a:r>
-              <a:rPr lang="en-GB" sz="1225" b="1"/>
-              <a:t>Link to Synopsis:</a:t>
+              <a:rPr lang="en-GB" sz="1684" dirty="0"/>
+              <a:t>In this study, we have shifted our focus on the number of infections in individual Indian states and try to create a model which can predict the number of infections for that state in the next 60-90 </a:t>
             </a:r>
             <a:r>
-              <a:rPr lang="en-GB" sz="1225"/>
-              <a:t> </a:t>
+              <a:rPr lang="en-GB" sz="1684"/>
+              <a:t>days.</a:t>
             </a:r>
-            <a:r>
-              <a:rPr lang="en-GB" sz="1225" u="sng">
-                <a:solidFill>
-                  <a:schemeClr val="hlink"/>
-                </a:solidFill>
-                <a:hlinkClick r:id="rId3"/>
-              </a:rPr>
-              <a:t>https://docs.google.com/document/d/1vrXlU_ZhAJ1HyoHki4dIenqLM03jWgLjnEbrO6DRwzo/edit?usp=sharing</a:t>
-            </a:r>
-            <a:endParaRPr sz="1225"/>
+            <a:endParaRPr sz="1225" dirty="0"/>
           </a:p>
         </p:txBody>
       </p:sp>
@@ -11240,55 +11211,6 @@
                                           <p:spTgt spid="66">
                                             <p:txEl>
                                               <p:pRg st="2" end="2"/>
-                                            </p:txEl>
-                                          </p:spTgt>
-                                        </p:tgtEl>
-                                        <p:attrNameLst>
-                                          <p:attrName>style.visibility</p:attrName>
-                                        </p:attrNameLst>
-                                      </p:cBhvr>
-                                      <p:to>
-                                        <p:strVal val="visible"/>
-                                      </p:to>
-                                    </p:set>
-                                  </p:childTnLst>
-                                </p:cTn>
-                              </p:par>
-                            </p:childTnLst>
-                          </p:cTn>
-                        </p:par>
-                      </p:childTnLst>
-                    </p:cTn>
-                  </p:par>
-                  <p:par>
-                    <p:cTn id="15" fill="hold">
-                      <p:stCondLst>
-                        <p:cond delay="indefinite"/>
-                      </p:stCondLst>
-                      <p:childTnLst>
-                        <p:par>
-                          <p:cTn id="16" fill="hold">
-                            <p:stCondLst>
-                              <p:cond delay="0"/>
-                            </p:stCondLst>
-                            <p:childTnLst>
-                              <p:par>
-                                <p:cTn id="17" presetID="1" presetClass="entr" presetSubtype="0" fill="hold" nodeType="clickEffect">
-                                  <p:stCondLst>
-                                    <p:cond delay="0"/>
-                                  </p:stCondLst>
-                                  <p:childTnLst>
-                                    <p:set>
-                                      <p:cBhvr>
-                                        <p:cTn id="18" dur="1" fill="hold">
-                                          <p:stCondLst>
-                                            <p:cond delay="0"/>
-                                          </p:stCondLst>
-                                        </p:cTn>
-                                        <p:tgtEl>
-                                          <p:spTgt spid="66">
-                                            <p:txEl>
-                                              <p:pRg st="3" end="3"/>
                                             </p:txEl>
                                           </p:spTgt>
                                         </p:tgtEl>
